--- a/講座資料/ゲーム開発講座２.pptx
+++ b/講座資料/ゲーム開発講座２.pptx
@@ -12,6 +12,21 @@
     <p:sldId id="260" r:id="rId6"/>
     <p:sldId id="259" r:id="rId7"/>
     <p:sldId id="262" r:id="rId8"/>
+    <p:sldId id="263" r:id="rId9"/>
+    <p:sldId id="264" r:id="rId10"/>
+    <p:sldId id="265" r:id="rId11"/>
+    <p:sldId id="266" r:id="rId12"/>
+    <p:sldId id="267" r:id="rId13"/>
+    <p:sldId id="268" r:id="rId14"/>
+    <p:sldId id="269" r:id="rId15"/>
+    <p:sldId id="270" r:id="rId16"/>
+    <p:sldId id="271" r:id="rId17"/>
+    <p:sldId id="272" r:id="rId18"/>
+    <p:sldId id="273" r:id="rId19"/>
+    <p:sldId id="274" r:id="rId20"/>
+    <p:sldId id="275" r:id="rId21"/>
+    <p:sldId id="276" r:id="rId22"/>
+    <p:sldId id="277" r:id="rId23"/>
   </p:sldIdLst>
   <p:sldSz cx="9144000" cy="6858000" type="screen4x3"/>
   <p:notesSz cx="6858000" cy="9144000"/>
@@ -294,7 +309,8 @@
           <a:p>
             <a:fld id="{EE7A426B-511F-4301-90BD-B5EF39AB4A46}" type="datetimeFigureOut">
               <a:rPr kumimoji="1" lang="ja-JP" altLang="en-US" smtClean="0"/>
-              <a:t>2016/11/18</a:t>
+              <a:pPr/>
+              <a:t>2016/11/19</a:t>
             </a:fld>
             <a:endParaRPr kumimoji="1" lang="ja-JP" altLang="en-US"/>
           </a:p>
@@ -336,6 +352,7 @@
           <a:p>
             <a:fld id="{AEFA0713-E4A5-4C4E-B5FC-18C8C14FA153}" type="slidenum">
               <a:rPr kumimoji="1" lang="ja-JP" altLang="en-US" smtClean="0"/>
+              <a:pPr/>
               <a:t>&lt;#&gt;</a:t>
             </a:fld>
             <a:endParaRPr kumimoji="1" lang="ja-JP" altLang="en-US"/>
@@ -491,7 +508,8 @@
           <a:p>
             <a:fld id="{EE7A426B-511F-4301-90BD-B5EF39AB4A46}" type="datetimeFigureOut">
               <a:rPr kumimoji="1" lang="ja-JP" altLang="en-US" smtClean="0"/>
-              <a:t>2016/11/18</a:t>
+              <a:pPr/>
+              <a:t>2016/11/19</a:t>
             </a:fld>
             <a:endParaRPr kumimoji="1" lang="ja-JP" altLang="en-US"/>
           </a:p>
@@ -533,6 +551,7 @@
           <a:p>
             <a:fld id="{AEFA0713-E4A5-4C4E-B5FC-18C8C14FA153}" type="slidenum">
               <a:rPr kumimoji="1" lang="ja-JP" altLang="en-US" smtClean="0"/>
+              <a:pPr/>
               <a:t>&lt;#&gt;</a:t>
             </a:fld>
             <a:endParaRPr kumimoji="1" lang="ja-JP" altLang="en-US"/>
@@ -698,7 +717,8 @@
           <a:p>
             <a:fld id="{EE7A426B-511F-4301-90BD-B5EF39AB4A46}" type="datetimeFigureOut">
               <a:rPr kumimoji="1" lang="ja-JP" altLang="en-US" smtClean="0"/>
-              <a:t>2016/11/18</a:t>
+              <a:pPr/>
+              <a:t>2016/11/19</a:t>
             </a:fld>
             <a:endParaRPr kumimoji="1" lang="ja-JP" altLang="en-US"/>
           </a:p>
@@ -740,6 +760,7 @@
           <a:p>
             <a:fld id="{AEFA0713-E4A5-4C4E-B5FC-18C8C14FA153}" type="slidenum">
               <a:rPr kumimoji="1" lang="ja-JP" altLang="en-US" smtClean="0"/>
+              <a:pPr/>
               <a:t>&lt;#&gt;</a:t>
             </a:fld>
             <a:endParaRPr kumimoji="1" lang="ja-JP" altLang="en-US"/>
@@ -895,7 +916,8 @@
           <a:p>
             <a:fld id="{EE7A426B-511F-4301-90BD-B5EF39AB4A46}" type="datetimeFigureOut">
               <a:rPr kumimoji="1" lang="ja-JP" altLang="en-US" smtClean="0"/>
-              <a:t>2016/11/18</a:t>
+              <a:pPr/>
+              <a:t>2016/11/19</a:t>
             </a:fld>
             <a:endParaRPr kumimoji="1" lang="ja-JP" altLang="en-US"/>
           </a:p>
@@ -937,6 +959,7 @@
           <a:p>
             <a:fld id="{AEFA0713-E4A5-4C4E-B5FC-18C8C14FA153}" type="slidenum">
               <a:rPr kumimoji="1" lang="ja-JP" altLang="en-US" smtClean="0"/>
+              <a:pPr/>
               <a:t>&lt;#&gt;</a:t>
             </a:fld>
             <a:endParaRPr kumimoji="1" lang="ja-JP" altLang="en-US"/>
@@ -1136,7 +1159,8 @@
           <a:p>
             <a:fld id="{EE7A426B-511F-4301-90BD-B5EF39AB4A46}" type="datetimeFigureOut">
               <a:rPr kumimoji="1" lang="ja-JP" altLang="en-US" smtClean="0"/>
-              <a:t>2016/11/18</a:t>
+              <a:pPr/>
+              <a:t>2016/11/19</a:t>
             </a:fld>
             <a:endParaRPr kumimoji="1" lang="ja-JP" altLang="en-US"/>
           </a:p>
@@ -1178,6 +1202,7 @@
           <a:p>
             <a:fld id="{AEFA0713-E4A5-4C4E-B5FC-18C8C14FA153}" type="slidenum">
               <a:rPr kumimoji="1" lang="ja-JP" altLang="en-US" smtClean="0"/>
+              <a:pPr/>
               <a:t>&lt;#&gt;</a:t>
             </a:fld>
             <a:endParaRPr kumimoji="1" lang="ja-JP" altLang="en-US"/>
@@ -1483,7 +1508,8 @@
           <a:p>
             <a:fld id="{EE7A426B-511F-4301-90BD-B5EF39AB4A46}" type="datetimeFigureOut">
               <a:rPr kumimoji="1" lang="ja-JP" altLang="en-US" smtClean="0"/>
-              <a:t>2016/11/18</a:t>
+              <a:pPr/>
+              <a:t>2016/11/19</a:t>
             </a:fld>
             <a:endParaRPr kumimoji="1" lang="ja-JP" altLang="en-US"/>
           </a:p>
@@ -1525,6 +1551,7 @@
           <a:p>
             <a:fld id="{AEFA0713-E4A5-4C4E-B5FC-18C8C14FA153}" type="slidenum">
               <a:rPr kumimoji="1" lang="ja-JP" altLang="en-US" smtClean="0"/>
+              <a:pPr/>
               <a:t>&lt;#&gt;</a:t>
             </a:fld>
             <a:endParaRPr kumimoji="1" lang="ja-JP" altLang="en-US"/>
@@ -1964,7 +1991,8 @@
           <a:p>
             <a:fld id="{EE7A426B-511F-4301-90BD-B5EF39AB4A46}" type="datetimeFigureOut">
               <a:rPr kumimoji="1" lang="ja-JP" altLang="en-US" smtClean="0"/>
-              <a:t>2016/11/18</a:t>
+              <a:pPr/>
+              <a:t>2016/11/19</a:t>
             </a:fld>
             <a:endParaRPr kumimoji="1" lang="ja-JP" altLang="en-US"/>
           </a:p>
@@ -2006,6 +2034,7 @@
           <a:p>
             <a:fld id="{AEFA0713-E4A5-4C4E-B5FC-18C8C14FA153}" type="slidenum">
               <a:rPr kumimoji="1" lang="ja-JP" altLang="en-US" smtClean="0"/>
+              <a:pPr/>
               <a:t>&lt;#&gt;</a:t>
             </a:fld>
             <a:endParaRPr kumimoji="1" lang="ja-JP" altLang="en-US"/>
@@ -2077,7 +2106,8 @@
           <a:p>
             <a:fld id="{EE7A426B-511F-4301-90BD-B5EF39AB4A46}" type="datetimeFigureOut">
               <a:rPr kumimoji="1" lang="ja-JP" altLang="en-US" smtClean="0"/>
-              <a:t>2016/11/18</a:t>
+              <a:pPr/>
+              <a:t>2016/11/19</a:t>
             </a:fld>
             <a:endParaRPr kumimoji="1" lang="ja-JP" altLang="en-US"/>
           </a:p>
@@ -2119,6 +2149,7 @@
           <a:p>
             <a:fld id="{AEFA0713-E4A5-4C4E-B5FC-18C8C14FA153}" type="slidenum">
               <a:rPr kumimoji="1" lang="ja-JP" altLang="en-US" smtClean="0"/>
+              <a:pPr/>
               <a:t>&lt;#&gt;</a:t>
             </a:fld>
             <a:endParaRPr kumimoji="1" lang="ja-JP" altLang="en-US"/>
@@ -2167,7 +2198,8 @@
           <a:p>
             <a:fld id="{EE7A426B-511F-4301-90BD-B5EF39AB4A46}" type="datetimeFigureOut">
               <a:rPr kumimoji="1" lang="ja-JP" altLang="en-US" smtClean="0"/>
-              <a:t>2016/11/18</a:t>
+              <a:pPr/>
+              <a:t>2016/11/19</a:t>
             </a:fld>
             <a:endParaRPr kumimoji="1" lang="ja-JP" altLang="en-US"/>
           </a:p>
@@ -2209,6 +2241,7 @@
           <a:p>
             <a:fld id="{AEFA0713-E4A5-4C4E-B5FC-18C8C14FA153}" type="slidenum">
               <a:rPr kumimoji="1" lang="ja-JP" altLang="en-US" smtClean="0"/>
+              <a:pPr/>
               <a:t>&lt;#&gt;</a:t>
             </a:fld>
             <a:endParaRPr kumimoji="1" lang="ja-JP" altLang="en-US"/>
@@ -2471,7 +2504,8 @@
           <a:p>
             <a:fld id="{EE7A426B-511F-4301-90BD-B5EF39AB4A46}" type="datetimeFigureOut">
               <a:rPr kumimoji="1" lang="ja-JP" altLang="en-US" smtClean="0"/>
-              <a:t>2016/11/18</a:t>
+              <a:pPr/>
+              <a:t>2016/11/19</a:t>
             </a:fld>
             <a:endParaRPr kumimoji="1" lang="ja-JP" altLang="en-US"/>
           </a:p>
@@ -2513,6 +2547,7 @@
           <a:p>
             <a:fld id="{AEFA0713-E4A5-4C4E-B5FC-18C8C14FA153}" type="slidenum">
               <a:rPr kumimoji="1" lang="ja-JP" altLang="en-US" smtClean="0"/>
+              <a:pPr/>
               <a:t>&lt;#&gt;</a:t>
             </a:fld>
             <a:endParaRPr kumimoji="1" lang="ja-JP" altLang="en-US"/>
@@ -2719,7 +2754,8 @@
           <a:p>
             <a:fld id="{EE7A426B-511F-4301-90BD-B5EF39AB4A46}" type="datetimeFigureOut">
               <a:rPr kumimoji="1" lang="ja-JP" altLang="en-US" smtClean="0"/>
-              <a:t>2016/11/18</a:t>
+              <a:pPr/>
+              <a:t>2016/11/19</a:t>
             </a:fld>
             <a:endParaRPr kumimoji="1" lang="ja-JP" altLang="en-US"/>
           </a:p>
@@ -2761,6 +2797,7 @@
           <a:p>
             <a:fld id="{AEFA0713-E4A5-4C4E-B5FC-18C8C14FA153}" type="slidenum">
               <a:rPr kumimoji="1" lang="ja-JP" altLang="en-US" smtClean="0"/>
+              <a:pPr/>
               <a:t>&lt;#&gt;</a:t>
             </a:fld>
             <a:endParaRPr kumimoji="1" lang="ja-JP" altLang="en-US"/>
@@ -2959,7 +2996,8 @@
           <a:p>
             <a:fld id="{EE7A426B-511F-4301-90BD-B5EF39AB4A46}" type="datetimeFigureOut">
               <a:rPr kumimoji="1" lang="ja-JP" altLang="en-US" smtClean="0"/>
-              <a:t>2016/11/18</a:t>
+              <a:pPr/>
+              <a:t>2016/11/19</a:t>
             </a:fld>
             <a:endParaRPr kumimoji="1" lang="ja-JP" altLang="en-US"/>
           </a:p>
@@ -3037,6 +3075,7 @@
           <a:p>
             <a:fld id="{AEFA0713-E4A5-4C4E-B5FC-18C8C14FA153}" type="slidenum">
               <a:rPr kumimoji="1" lang="ja-JP" altLang="en-US" smtClean="0"/>
+              <a:pPr/>
               <a:t>&lt;#&gt;</a:t>
             </a:fld>
             <a:endParaRPr kumimoji="1" lang="ja-JP" altLang="en-US"/>
@@ -3390,6 +3429,1189 @@
 </p:sld>
 </file>
 
+<file path=ppt/slides/slide10.xml><?xml version="1.0" encoding="utf-8"?>
+<p:sld xmlns:a="http://schemas.openxmlformats.org/drawingml/2006/main" xmlns:r="http://schemas.openxmlformats.org/officeDocument/2006/relationships" xmlns:p="http://schemas.openxmlformats.org/presentationml/2006/main">
+  <p:cSld>
+    <p:spTree>
+      <p:nvGrpSpPr>
+        <p:cNvPr id="1" name=""/>
+        <p:cNvGrpSpPr/>
+        <p:nvPr/>
+      </p:nvGrpSpPr>
+      <p:grpSpPr>
+        <a:xfrm>
+          <a:off x="0" y="0"/>
+          <a:ext cx="0" cy="0"/>
+          <a:chOff x="0" y="0"/>
+          <a:chExt cx="0" cy="0"/>
+        </a:xfrm>
+      </p:grpSpPr>
+      <p:sp>
+        <p:nvSpPr>
+          <p:cNvPr id="2" name="タイトル 1"/>
+          <p:cNvSpPr>
+            <a:spLocks noGrp="1"/>
+          </p:cNvSpPr>
+          <p:nvPr>
+            <p:ph type="title"/>
+          </p:nvPr>
+        </p:nvSpPr>
+        <p:spPr/>
+        <p:txBody>
+          <a:bodyPr/>
+          <a:lstStyle/>
+          <a:p>
+            <a:r>
+              <a:rPr kumimoji="1" lang="ja-JP" altLang="en-US" dirty="0" smtClean="0"/>
+              <a:t>セットアップ</a:t>
+            </a:r>
+            <a:endParaRPr kumimoji="1" lang="ja-JP" altLang="en-US" dirty="0"/>
+          </a:p>
+        </p:txBody>
+      </p:sp>
+      <p:sp>
+        <p:nvSpPr>
+          <p:cNvPr id="3" name="コンテンツ プレースホルダ 2"/>
+          <p:cNvSpPr>
+            <a:spLocks noGrp="1"/>
+          </p:cNvSpPr>
+          <p:nvPr>
+            <p:ph idx="1"/>
+          </p:nvPr>
+        </p:nvSpPr>
+        <p:spPr>
+          <a:xfrm>
+            <a:off x="457200" y="1600201"/>
+            <a:ext cx="8229600" cy="1108720"/>
+          </a:xfrm>
+        </p:spPr>
+        <p:txBody>
+          <a:bodyPr/>
+          <a:lstStyle/>
+          <a:p>
+            <a:r>
+              <a:rPr lang="ja-JP" altLang="en-US" dirty="0" smtClean="0"/>
+              <a:t>「</a:t>
+            </a:r>
+            <a:r>
+              <a:rPr lang="en-US" altLang="ja-JP" dirty="0" smtClean="0"/>
+              <a:t>64 bit</a:t>
+            </a:r>
+            <a:r>
+              <a:rPr lang="ja-JP" altLang="en-US" dirty="0" smtClean="0"/>
+              <a:t>」にチェックを付けて、「</a:t>
+            </a:r>
+            <a:r>
+              <a:rPr lang="en-US" altLang="ja-JP" dirty="0" smtClean="0"/>
+              <a:t>Next</a:t>
+            </a:r>
+            <a:r>
+              <a:rPr lang="ja-JP" altLang="en-US" dirty="0" smtClean="0"/>
+              <a:t>」をクリックする</a:t>
+            </a:r>
+            <a:endParaRPr kumimoji="1" lang="ja-JP" altLang="en-US" dirty="0"/>
+          </a:p>
+        </p:txBody>
+      </p:sp>
+      <p:pic>
+        <p:nvPicPr>
+          <p:cNvPr id="22530" name="Picture 2" descr="http://image.itmedia.co.jp/ait/articles/1410/27/news037_06.png"/>
+          <p:cNvPicPr>
+            <a:picLocks noChangeAspect="1" noChangeArrowheads="1"/>
+          </p:cNvPicPr>
+          <p:nvPr/>
+        </p:nvPicPr>
+        <p:blipFill>
+          <a:blip r:embed="rId2" cstate="print"/>
+          <a:srcRect/>
+          <a:stretch>
+            <a:fillRect/>
+          </a:stretch>
+        </p:blipFill>
+        <p:spPr bwMode="auto">
+          <a:xfrm>
+            <a:off x="2411760" y="2924944"/>
+            <a:ext cx="4032448" cy="3309388"/>
+          </a:xfrm>
+          <a:prstGeom prst="rect">
+            <a:avLst/>
+          </a:prstGeom>
+          <a:noFill/>
+        </p:spPr>
+      </p:pic>
+    </p:spTree>
+  </p:cSld>
+  <p:clrMapOvr>
+    <a:masterClrMapping/>
+  </p:clrMapOvr>
+</p:sld>
+</file>
+
+<file path=ppt/slides/slide11.xml><?xml version="1.0" encoding="utf-8"?>
+<p:sld xmlns:a="http://schemas.openxmlformats.org/drawingml/2006/main" xmlns:r="http://schemas.openxmlformats.org/officeDocument/2006/relationships" xmlns:p="http://schemas.openxmlformats.org/presentationml/2006/main">
+  <p:cSld>
+    <p:spTree>
+      <p:nvGrpSpPr>
+        <p:cNvPr id="1" name=""/>
+        <p:cNvGrpSpPr/>
+        <p:nvPr/>
+      </p:nvGrpSpPr>
+      <p:grpSpPr>
+        <a:xfrm>
+          <a:off x="0" y="0"/>
+          <a:ext cx="0" cy="0"/>
+          <a:chOff x="0" y="0"/>
+          <a:chExt cx="0" cy="0"/>
+        </a:xfrm>
+      </p:grpSpPr>
+      <p:sp>
+        <p:nvSpPr>
+          <p:cNvPr id="2" name="タイトル 1"/>
+          <p:cNvSpPr>
+            <a:spLocks noGrp="1"/>
+          </p:cNvSpPr>
+          <p:nvPr>
+            <p:ph type="title"/>
+          </p:nvPr>
+        </p:nvSpPr>
+        <p:spPr/>
+        <p:txBody>
+          <a:bodyPr/>
+          <a:lstStyle/>
+          <a:p>
+            <a:r>
+              <a:rPr kumimoji="1" lang="ja-JP" altLang="en-US" dirty="0" smtClean="0"/>
+              <a:t>セットアップ</a:t>
+            </a:r>
+            <a:endParaRPr kumimoji="1" lang="ja-JP" altLang="en-US" dirty="0"/>
+          </a:p>
+        </p:txBody>
+      </p:sp>
+      <p:sp>
+        <p:nvSpPr>
+          <p:cNvPr id="3" name="コンテンツ プレースホルダ 2"/>
+          <p:cNvSpPr>
+            <a:spLocks noGrp="1"/>
+          </p:cNvSpPr>
+          <p:nvPr>
+            <p:ph idx="1"/>
+          </p:nvPr>
+        </p:nvSpPr>
+        <p:spPr>
+          <a:xfrm>
+            <a:off x="457200" y="1600201"/>
+            <a:ext cx="8229600" cy="2116831"/>
+          </a:xfrm>
+        </p:spPr>
+        <p:txBody>
+          <a:bodyPr>
+            <a:normAutofit/>
+          </a:bodyPr>
+          <a:lstStyle/>
+          <a:p>
+            <a:r>
+              <a:rPr lang="ja-JP" altLang="en-US" dirty="0" smtClean="0"/>
+              <a:t>「</a:t>
+            </a:r>
+            <a:r>
+              <a:rPr lang="en-US" altLang="ja-JP" dirty="0" smtClean="0"/>
+              <a:t>Microsoft Visual Studio for Unity</a:t>
+            </a:r>
+            <a:r>
+              <a:rPr lang="ja-JP" altLang="en-US" dirty="0" smtClean="0"/>
+              <a:t>」「</a:t>
+            </a:r>
+            <a:r>
+              <a:rPr lang="en-US" altLang="ja-JP" dirty="0" smtClean="0"/>
+              <a:t>Windows Store .NET Scripting Backer</a:t>
+            </a:r>
+            <a:r>
+              <a:rPr lang="ja-JP" altLang="en-US" dirty="0" smtClean="0"/>
+              <a:t>」「</a:t>
+            </a:r>
+            <a:r>
+              <a:rPr lang="en-US" altLang="ja-JP" dirty="0" smtClean="0"/>
+              <a:t>Windows Store IL2CPP Scripting Backer</a:t>
+            </a:r>
+            <a:r>
+              <a:rPr lang="ja-JP" altLang="en-US" dirty="0" smtClean="0"/>
+              <a:t>」と、「</a:t>
+            </a:r>
+            <a:r>
+              <a:rPr lang="en-US" altLang="ja-JP" dirty="0" err="1" smtClean="0"/>
+              <a:t>WebGL</a:t>
+            </a:r>
+            <a:r>
+              <a:rPr lang="en-US" altLang="ja-JP" dirty="0" smtClean="0"/>
+              <a:t> Build Support</a:t>
+            </a:r>
+            <a:r>
+              <a:rPr lang="ja-JP" altLang="en-US" dirty="0" smtClean="0"/>
+              <a:t>」にチェックを入れる</a:t>
+            </a:r>
+            <a:endParaRPr kumimoji="1" lang="ja-JP" altLang="en-US" dirty="0"/>
+          </a:p>
+        </p:txBody>
+      </p:sp>
+      <p:pic>
+        <p:nvPicPr>
+          <p:cNvPr id="23554" name="Picture 2" descr="http://image.itmedia.co.jp/ait/articles/1410/27/news037_07.png"/>
+          <p:cNvPicPr>
+            <a:picLocks noChangeAspect="1" noChangeArrowheads="1"/>
+          </p:cNvPicPr>
+          <p:nvPr/>
+        </p:nvPicPr>
+        <p:blipFill>
+          <a:blip r:embed="rId2" cstate="print"/>
+          <a:srcRect/>
+          <a:stretch>
+            <a:fillRect/>
+          </a:stretch>
+        </p:blipFill>
+        <p:spPr bwMode="auto">
+          <a:xfrm>
+            <a:off x="2267744" y="3573016"/>
+            <a:ext cx="3702750" cy="3024336"/>
+          </a:xfrm>
+          <a:prstGeom prst="rect">
+            <a:avLst/>
+          </a:prstGeom>
+          <a:noFill/>
+        </p:spPr>
+      </p:pic>
+    </p:spTree>
+  </p:cSld>
+  <p:clrMapOvr>
+    <a:masterClrMapping/>
+  </p:clrMapOvr>
+</p:sld>
+</file>
+
+<file path=ppt/slides/slide12.xml><?xml version="1.0" encoding="utf-8"?>
+<p:sld xmlns:a="http://schemas.openxmlformats.org/drawingml/2006/main" xmlns:r="http://schemas.openxmlformats.org/officeDocument/2006/relationships" xmlns:p="http://schemas.openxmlformats.org/presentationml/2006/main">
+  <p:cSld>
+    <p:spTree>
+      <p:nvGrpSpPr>
+        <p:cNvPr id="1" name=""/>
+        <p:cNvGrpSpPr/>
+        <p:nvPr/>
+      </p:nvGrpSpPr>
+      <p:grpSpPr>
+        <a:xfrm>
+          <a:off x="0" y="0"/>
+          <a:ext cx="0" cy="0"/>
+          <a:chOff x="0" y="0"/>
+          <a:chExt cx="0" cy="0"/>
+        </a:xfrm>
+      </p:grpSpPr>
+      <p:sp>
+        <p:nvSpPr>
+          <p:cNvPr id="2" name="タイトル 1"/>
+          <p:cNvSpPr>
+            <a:spLocks noGrp="1"/>
+          </p:cNvSpPr>
+          <p:nvPr>
+            <p:ph type="title"/>
+          </p:nvPr>
+        </p:nvSpPr>
+        <p:spPr/>
+        <p:txBody>
+          <a:bodyPr/>
+          <a:lstStyle/>
+          <a:p>
+            <a:r>
+              <a:rPr kumimoji="1" lang="ja-JP" altLang="en-US" dirty="0" smtClean="0"/>
+              <a:t>セットアップ</a:t>
+            </a:r>
+            <a:endParaRPr kumimoji="1" lang="ja-JP" altLang="en-US" dirty="0"/>
+          </a:p>
+        </p:txBody>
+      </p:sp>
+      <p:sp>
+        <p:nvSpPr>
+          <p:cNvPr id="3" name="コンテンツ プレースホルダ 2"/>
+          <p:cNvSpPr>
+            <a:spLocks noGrp="1"/>
+          </p:cNvSpPr>
+          <p:nvPr>
+            <p:ph idx="1"/>
+          </p:nvPr>
+        </p:nvSpPr>
+        <p:spPr>
+          <a:xfrm>
+            <a:off x="457200" y="1600201"/>
+            <a:ext cx="8229600" cy="676672"/>
+          </a:xfrm>
+        </p:spPr>
+        <p:txBody>
+          <a:bodyPr/>
+          <a:lstStyle/>
+          <a:p>
+            <a:r>
+              <a:rPr kumimoji="1" lang="ja-JP" altLang="en-US" dirty="0" smtClean="0"/>
+              <a:t>インストール場所を選択</a:t>
+            </a:r>
+            <a:endParaRPr kumimoji="1" lang="ja-JP" altLang="en-US" dirty="0"/>
+          </a:p>
+        </p:txBody>
+      </p:sp>
+      <p:pic>
+        <p:nvPicPr>
+          <p:cNvPr id="24578" name="Picture 2" descr="http://image.itmedia.co.jp/ait/articles/1410/27/news037_08.png"/>
+          <p:cNvPicPr>
+            <a:picLocks noChangeAspect="1" noChangeArrowheads="1"/>
+          </p:cNvPicPr>
+          <p:nvPr/>
+        </p:nvPicPr>
+        <p:blipFill>
+          <a:blip r:embed="rId2" cstate="print"/>
+          <a:srcRect/>
+          <a:stretch>
+            <a:fillRect/>
+          </a:stretch>
+        </p:blipFill>
+        <p:spPr bwMode="auto">
+          <a:xfrm>
+            <a:off x="1979712" y="2348880"/>
+            <a:ext cx="4608512" cy="3769161"/>
+          </a:xfrm>
+          <a:prstGeom prst="rect">
+            <a:avLst/>
+          </a:prstGeom>
+          <a:noFill/>
+        </p:spPr>
+      </p:pic>
+    </p:spTree>
+  </p:cSld>
+  <p:clrMapOvr>
+    <a:masterClrMapping/>
+  </p:clrMapOvr>
+</p:sld>
+</file>
+
+<file path=ppt/slides/slide13.xml><?xml version="1.0" encoding="utf-8"?>
+<p:sld xmlns:a="http://schemas.openxmlformats.org/drawingml/2006/main" xmlns:r="http://schemas.openxmlformats.org/officeDocument/2006/relationships" xmlns:p="http://schemas.openxmlformats.org/presentationml/2006/main">
+  <p:cSld>
+    <p:spTree>
+      <p:nvGrpSpPr>
+        <p:cNvPr id="1" name=""/>
+        <p:cNvGrpSpPr/>
+        <p:nvPr/>
+      </p:nvGrpSpPr>
+      <p:grpSpPr>
+        <a:xfrm>
+          <a:off x="0" y="0"/>
+          <a:ext cx="0" cy="0"/>
+          <a:chOff x="0" y="0"/>
+          <a:chExt cx="0" cy="0"/>
+        </a:xfrm>
+      </p:grpSpPr>
+      <p:sp>
+        <p:nvSpPr>
+          <p:cNvPr id="2" name="タイトル 1"/>
+          <p:cNvSpPr>
+            <a:spLocks noGrp="1"/>
+          </p:cNvSpPr>
+          <p:nvPr>
+            <p:ph type="title"/>
+          </p:nvPr>
+        </p:nvSpPr>
+        <p:spPr/>
+        <p:txBody>
+          <a:bodyPr/>
+          <a:lstStyle/>
+          <a:p>
+            <a:r>
+              <a:rPr kumimoji="1" lang="ja-JP" altLang="en-US" dirty="0" smtClean="0"/>
+              <a:t>セットアップ</a:t>
+            </a:r>
+            <a:endParaRPr kumimoji="1" lang="ja-JP" altLang="en-US" dirty="0"/>
+          </a:p>
+        </p:txBody>
+      </p:sp>
+      <p:sp>
+        <p:nvSpPr>
+          <p:cNvPr id="3" name="コンテンツ プレースホルダ 2"/>
+          <p:cNvSpPr>
+            <a:spLocks noGrp="1"/>
+          </p:cNvSpPr>
+          <p:nvPr>
+            <p:ph idx="1"/>
+          </p:nvPr>
+        </p:nvSpPr>
+        <p:spPr>
+          <a:xfrm>
+            <a:off x="457200" y="1600201"/>
+            <a:ext cx="8229600" cy="676672"/>
+          </a:xfrm>
+        </p:spPr>
+        <p:txBody>
+          <a:bodyPr/>
+          <a:lstStyle/>
+          <a:p>
+            <a:r>
+              <a:rPr kumimoji="1" lang="ja-JP" altLang="en-US" dirty="0" smtClean="0"/>
+              <a:t>インストールが開始されるのでしばらく待つ</a:t>
+            </a:r>
+            <a:endParaRPr kumimoji="1" lang="ja-JP" altLang="en-US" dirty="0"/>
+          </a:p>
+        </p:txBody>
+      </p:sp>
+      <p:pic>
+        <p:nvPicPr>
+          <p:cNvPr id="25602" name="Picture 2" descr="http://image.itmedia.co.jp/ait/articles/1410/27/news037_09.png"/>
+          <p:cNvPicPr>
+            <a:picLocks noChangeAspect="1" noChangeArrowheads="1"/>
+          </p:cNvPicPr>
+          <p:nvPr/>
+        </p:nvPicPr>
+        <p:blipFill>
+          <a:blip r:embed="rId2" cstate="print"/>
+          <a:srcRect/>
+          <a:stretch>
+            <a:fillRect/>
+          </a:stretch>
+        </p:blipFill>
+        <p:spPr bwMode="auto">
+          <a:xfrm>
+            <a:off x="2195736" y="2348880"/>
+            <a:ext cx="4824536" cy="3962420"/>
+          </a:xfrm>
+          <a:prstGeom prst="rect">
+            <a:avLst/>
+          </a:prstGeom>
+          <a:noFill/>
+        </p:spPr>
+      </p:pic>
+    </p:spTree>
+  </p:cSld>
+  <p:clrMapOvr>
+    <a:masterClrMapping/>
+  </p:clrMapOvr>
+</p:sld>
+</file>
+
+<file path=ppt/slides/slide14.xml><?xml version="1.0" encoding="utf-8"?>
+<p:sld xmlns:a="http://schemas.openxmlformats.org/drawingml/2006/main" xmlns:r="http://schemas.openxmlformats.org/officeDocument/2006/relationships" xmlns:p="http://schemas.openxmlformats.org/presentationml/2006/main">
+  <p:cSld>
+    <p:spTree>
+      <p:nvGrpSpPr>
+        <p:cNvPr id="1" name=""/>
+        <p:cNvGrpSpPr/>
+        <p:nvPr/>
+      </p:nvGrpSpPr>
+      <p:grpSpPr>
+        <a:xfrm>
+          <a:off x="0" y="0"/>
+          <a:ext cx="0" cy="0"/>
+          <a:chOff x="0" y="0"/>
+          <a:chExt cx="0" cy="0"/>
+        </a:xfrm>
+      </p:grpSpPr>
+      <p:sp>
+        <p:nvSpPr>
+          <p:cNvPr id="2" name="タイトル 1"/>
+          <p:cNvSpPr>
+            <a:spLocks noGrp="1"/>
+          </p:cNvSpPr>
+          <p:nvPr>
+            <p:ph type="title"/>
+          </p:nvPr>
+        </p:nvSpPr>
+        <p:spPr/>
+        <p:txBody>
+          <a:bodyPr/>
+          <a:lstStyle/>
+          <a:p>
+            <a:r>
+              <a:rPr kumimoji="1" lang="ja-JP" altLang="en-US" dirty="0" smtClean="0"/>
+              <a:t>セットアップ</a:t>
+            </a:r>
+            <a:endParaRPr kumimoji="1" lang="ja-JP" altLang="en-US" dirty="0"/>
+          </a:p>
+        </p:txBody>
+      </p:sp>
+      <p:sp>
+        <p:nvSpPr>
+          <p:cNvPr id="3" name="コンテンツ プレースホルダ 2"/>
+          <p:cNvSpPr>
+            <a:spLocks noGrp="1"/>
+          </p:cNvSpPr>
+          <p:nvPr>
+            <p:ph idx="1"/>
+          </p:nvPr>
+        </p:nvSpPr>
+        <p:spPr>
+          <a:xfrm>
+            <a:off x="457200" y="1600201"/>
+            <a:ext cx="8229600" cy="1180728"/>
+          </a:xfrm>
+        </p:spPr>
+        <p:txBody>
+          <a:bodyPr/>
+          <a:lstStyle/>
+          <a:p>
+            <a:r>
+              <a:rPr kumimoji="1" lang="ja-JP" altLang="en-US" dirty="0" smtClean="0"/>
+              <a:t>インストールが完了すると以下の画面が表示される</a:t>
+            </a:r>
+            <a:endParaRPr kumimoji="1" lang="ja-JP" altLang="en-US" dirty="0"/>
+          </a:p>
+        </p:txBody>
+      </p:sp>
+      <p:pic>
+        <p:nvPicPr>
+          <p:cNvPr id="26626" name="Picture 2" descr="http://image.itmedia.co.jp/ait/articles/1410/27/news037_10.png"/>
+          <p:cNvPicPr>
+            <a:picLocks noChangeAspect="1" noChangeArrowheads="1"/>
+          </p:cNvPicPr>
+          <p:nvPr/>
+        </p:nvPicPr>
+        <p:blipFill>
+          <a:blip r:embed="rId2" cstate="print"/>
+          <a:srcRect/>
+          <a:stretch>
+            <a:fillRect/>
+          </a:stretch>
+        </p:blipFill>
+        <p:spPr bwMode="auto">
+          <a:xfrm>
+            <a:off x="2267744" y="2780928"/>
+            <a:ext cx="4032448" cy="3326595"/>
+          </a:xfrm>
+          <a:prstGeom prst="rect">
+            <a:avLst/>
+          </a:prstGeom>
+          <a:noFill/>
+        </p:spPr>
+      </p:pic>
+    </p:spTree>
+  </p:cSld>
+  <p:clrMapOvr>
+    <a:masterClrMapping/>
+  </p:clrMapOvr>
+</p:sld>
+</file>
+
+<file path=ppt/slides/slide15.xml><?xml version="1.0" encoding="utf-8"?>
+<p:sld xmlns:a="http://schemas.openxmlformats.org/drawingml/2006/main" xmlns:r="http://schemas.openxmlformats.org/officeDocument/2006/relationships" xmlns:p="http://schemas.openxmlformats.org/presentationml/2006/main">
+  <p:cSld>
+    <p:spTree>
+      <p:nvGrpSpPr>
+        <p:cNvPr id="1" name=""/>
+        <p:cNvGrpSpPr/>
+        <p:nvPr/>
+      </p:nvGrpSpPr>
+      <p:grpSpPr>
+        <a:xfrm>
+          <a:off x="0" y="0"/>
+          <a:ext cx="0" cy="0"/>
+          <a:chOff x="0" y="0"/>
+          <a:chExt cx="0" cy="0"/>
+        </a:xfrm>
+      </p:grpSpPr>
+      <p:sp>
+        <p:nvSpPr>
+          <p:cNvPr id="2" name="タイトル 1"/>
+          <p:cNvSpPr>
+            <a:spLocks noGrp="1"/>
+          </p:cNvSpPr>
+          <p:nvPr>
+            <p:ph type="title"/>
+          </p:nvPr>
+        </p:nvSpPr>
+        <p:spPr/>
+        <p:txBody>
+          <a:bodyPr/>
+          <a:lstStyle/>
+          <a:p>
+            <a:r>
+              <a:rPr kumimoji="1" lang="ja-JP" altLang="en-US" dirty="0" smtClean="0"/>
+              <a:t>プロジェクトの設定</a:t>
+            </a:r>
+            <a:endParaRPr kumimoji="1" lang="ja-JP" altLang="en-US" dirty="0"/>
+          </a:p>
+        </p:txBody>
+      </p:sp>
+      <p:sp>
+        <p:nvSpPr>
+          <p:cNvPr id="3" name="コンテンツ プレースホルダ 2"/>
+          <p:cNvSpPr>
+            <a:spLocks noGrp="1"/>
+          </p:cNvSpPr>
+          <p:nvPr>
+            <p:ph idx="1"/>
+          </p:nvPr>
+        </p:nvSpPr>
+        <p:spPr>
+          <a:xfrm>
+            <a:off x="457200" y="1600201"/>
+            <a:ext cx="8229600" cy="604664"/>
+          </a:xfrm>
+        </p:spPr>
+        <p:txBody>
+          <a:bodyPr/>
+          <a:lstStyle/>
+          <a:p>
+            <a:r>
+              <a:rPr kumimoji="1" lang="en-US" altLang="ja-JP" dirty="0" smtClean="0"/>
+              <a:t>New Project</a:t>
+            </a:r>
+            <a:r>
+              <a:rPr kumimoji="1" lang="ja-JP" altLang="en-US" dirty="0" smtClean="0"/>
+              <a:t>をクリックする</a:t>
+            </a:r>
+            <a:endParaRPr kumimoji="1" lang="ja-JP" altLang="en-US" dirty="0"/>
+          </a:p>
+        </p:txBody>
+      </p:sp>
+      <p:pic>
+        <p:nvPicPr>
+          <p:cNvPr id="27650" name="Picture 2" descr="http://image.itmedia.co.jp/ait/articles/1410/27/news037_11.png">
+            <a:hlinkClick r:id="rId2"/>
+          </p:cNvPr>
+          <p:cNvPicPr>
+            <a:picLocks noChangeAspect="1" noChangeArrowheads="1"/>
+          </p:cNvPicPr>
+          <p:nvPr/>
+        </p:nvPicPr>
+        <p:blipFill>
+          <a:blip r:embed="rId3" cstate="print"/>
+          <a:srcRect/>
+          <a:stretch>
+            <a:fillRect/>
+          </a:stretch>
+        </p:blipFill>
+        <p:spPr bwMode="auto">
+          <a:xfrm>
+            <a:off x="1547664" y="2420888"/>
+            <a:ext cx="5619750" cy="3286126"/>
+          </a:xfrm>
+          <a:prstGeom prst="rect">
+            <a:avLst/>
+          </a:prstGeom>
+          <a:noFill/>
+        </p:spPr>
+      </p:pic>
+    </p:spTree>
+  </p:cSld>
+  <p:clrMapOvr>
+    <a:masterClrMapping/>
+  </p:clrMapOvr>
+</p:sld>
+</file>
+
+<file path=ppt/slides/slide16.xml><?xml version="1.0" encoding="utf-8"?>
+<p:sld xmlns:a="http://schemas.openxmlformats.org/drawingml/2006/main" xmlns:r="http://schemas.openxmlformats.org/officeDocument/2006/relationships" xmlns:p="http://schemas.openxmlformats.org/presentationml/2006/main">
+  <p:cSld>
+    <p:spTree>
+      <p:nvGrpSpPr>
+        <p:cNvPr id="1" name=""/>
+        <p:cNvGrpSpPr/>
+        <p:nvPr/>
+      </p:nvGrpSpPr>
+      <p:grpSpPr>
+        <a:xfrm>
+          <a:off x="0" y="0"/>
+          <a:ext cx="0" cy="0"/>
+          <a:chOff x="0" y="0"/>
+          <a:chExt cx="0" cy="0"/>
+        </a:xfrm>
+      </p:grpSpPr>
+      <p:sp>
+        <p:nvSpPr>
+          <p:cNvPr id="2" name="タイトル 1"/>
+          <p:cNvSpPr>
+            <a:spLocks noGrp="1"/>
+          </p:cNvSpPr>
+          <p:nvPr>
+            <p:ph type="title"/>
+          </p:nvPr>
+        </p:nvSpPr>
+        <p:spPr/>
+        <p:txBody>
+          <a:bodyPr/>
+          <a:lstStyle/>
+          <a:p>
+            <a:r>
+              <a:rPr kumimoji="1" lang="ja-JP" altLang="en-US" dirty="0" smtClean="0"/>
+              <a:t>プロジェクトの設定</a:t>
+            </a:r>
+            <a:endParaRPr kumimoji="1" lang="ja-JP" altLang="en-US" dirty="0"/>
+          </a:p>
+        </p:txBody>
+      </p:sp>
+      <p:sp>
+        <p:nvSpPr>
+          <p:cNvPr id="3" name="コンテンツ プレースホルダ 2"/>
+          <p:cNvSpPr>
+            <a:spLocks noGrp="1"/>
+          </p:cNvSpPr>
+          <p:nvPr>
+            <p:ph idx="1"/>
+          </p:nvPr>
+        </p:nvSpPr>
+        <p:spPr>
+          <a:xfrm>
+            <a:off x="457200" y="1600201"/>
+            <a:ext cx="8229600" cy="1108720"/>
+          </a:xfrm>
+        </p:spPr>
+        <p:txBody>
+          <a:bodyPr/>
+          <a:lstStyle/>
+          <a:p>
+            <a:r>
+              <a:rPr lang="ja-JP" altLang="en-US" dirty="0" smtClean="0"/>
+              <a:t>「</a:t>
+            </a:r>
+            <a:r>
+              <a:rPr lang="en-US" altLang="ja-JP" dirty="0" smtClean="0"/>
+              <a:t>Create one</a:t>
+            </a:r>
+            <a:r>
+              <a:rPr lang="ja-JP" altLang="en-US" dirty="0" smtClean="0"/>
+              <a:t>」をクリック</a:t>
+            </a:r>
+            <a:r>
+              <a:rPr lang="ja-JP" altLang="en-US" dirty="0" smtClean="0"/>
+              <a:t>してアカウント</a:t>
+            </a:r>
+            <a:r>
+              <a:rPr lang="ja-JP" altLang="en-US" dirty="0" smtClean="0"/>
+              <a:t>作成画面に入る。</a:t>
+            </a:r>
+            <a:endParaRPr kumimoji="1" lang="ja-JP" altLang="en-US" dirty="0"/>
+          </a:p>
+        </p:txBody>
+      </p:sp>
+      <p:pic>
+        <p:nvPicPr>
+          <p:cNvPr id="28674" name="Picture 2" descr="http://image.itmedia.co.jp/ait/articles/1410/27/news037_12.png">
+            <a:hlinkClick r:id="rId2"/>
+          </p:cNvPr>
+          <p:cNvPicPr>
+            <a:picLocks noChangeAspect="1" noChangeArrowheads="1"/>
+          </p:cNvPicPr>
+          <p:nvPr/>
+        </p:nvPicPr>
+        <p:blipFill>
+          <a:blip r:embed="rId3" cstate="print"/>
+          <a:srcRect/>
+          <a:stretch>
+            <a:fillRect/>
+          </a:stretch>
+        </p:blipFill>
+        <p:spPr bwMode="auto">
+          <a:xfrm>
+            <a:off x="1619672" y="2708920"/>
+            <a:ext cx="5619750" cy="3286126"/>
+          </a:xfrm>
+          <a:prstGeom prst="rect">
+            <a:avLst/>
+          </a:prstGeom>
+          <a:noFill/>
+        </p:spPr>
+      </p:pic>
+    </p:spTree>
+  </p:cSld>
+  <p:clrMapOvr>
+    <a:masterClrMapping/>
+  </p:clrMapOvr>
+</p:sld>
+</file>
+
+<file path=ppt/slides/slide17.xml><?xml version="1.0" encoding="utf-8"?>
+<p:sld xmlns:a="http://schemas.openxmlformats.org/drawingml/2006/main" xmlns:r="http://schemas.openxmlformats.org/officeDocument/2006/relationships" xmlns:p="http://schemas.openxmlformats.org/presentationml/2006/main">
+  <p:cSld>
+    <p:spTree>
+      <p:nvGrpSpPr>
+        <p:cNvPr id="1" name=""/>
+        <p:cNvGrpSpPr/>
+        <p:nvPr/>
+      </p:nvGrpSpPr>
+      <p:grpSpPr>
+        <a:xfrm>
+          <a:off x="0" y="0"/>
+          <a:ext cx="0" cy="0"/>
+          <a:chOff x="0" y="0"/>
+          <a:chExt cx="0" cy="0"/>
+        </a:xfrm>
+      </p:grpSpPr>
+      <p:sp>
+        <p:nvSpPr>
+          <p:cNvPr id="2" name="タイトル 1"/>
+          <p:cNvSpPr>
+            <a:spLocks noGrp="1"/>
+          </p:cNvSpPr>
+          <p:nvPr>
+            <p:ph type="title"/>
+          </p:nvPr>
+        </p:nvSpPr>
+        <p:spPr/>
+        <p:txBody>
+          <a:bodyPr/>
+          <a:lstStyle/>
+          <a:p>
+            <a:r>
+              <a:rPr kumimoji="1" lang="ja-JP" altLang="en-US" dirty="0" smtClean="0"/>
+              <a:t>プロジェクトの設定</a:t>
+            </a:r>
+            <a:endParaRPr kumimoji="1" lang="ja-JP" altLang="en-US" dirty="0"/>
+          </a:p>
+        </p:txBody>
+      </p:sp>
+      <p:sp>
+        <p:nvSpPr>
+          <p:cNvPr id="3" name="コンテンツ プレースホルダ 2"/>
+          <p:cNvSpPr>
+            <a:spLocks noGrp="1"/>
+          </p:cNvSpPr>
+          <p:nvPr>
+            <p:ph idx="1"/>
+          </p:nvPr>
+        </p:nvSpPr>
+        <p:spPr>
+          <a:xfrm>
+            <a:off x="457200" y="1600201"/>
+            <a:ext cx="8229600" cy="1180728"/>
+          </a:xfrm>
+        </p:spPr>
+        <p:txBody>
+          <a:bodyPr/>
+          <a:lstStyle/>
+          <a:p>
+            <a:r>
+              <a:rPr lang="en-US" altLang="ja-JP" dirty="0" smtClean="0"/>
+              <a:t>Email</a:t>
+            </a:r>
+            <a:r>
+              <a:rPr lang="ja-JP" altLang="en-US" dirty="0" smtClean="0"/>
+              <a:t>」「</a:t>
+            </a:r>
+            <a:r>
+              <a:rPr lang="en-US" altLang="ja-JP" dirty="0" smtClean="0"/>
+              <a:t>Password</a:t>
+            </a:r>
+            <a:r>
+              <a:rPr lang="ja-JP" altLang="en-US" dirty="0" smtClean="0"/>
+              <a:t>」「</a:t>
+            </a:r>
+            <a:r>
+              <a:rPr lang="en-US" altLang="ja-JP" dirty="0" smtClean="0"/>
+              <a:t>Username</a:t>
+            </a:r>
+            <a:r>
+              <a:rPr lang="ja-JP" altLang="en-US" dirty="0" smtClean="0"/>
+              <a:t>」「</a:t>
+            </a:r>
+            <a:r>
+              <a:rPr lang="en-US" altLang="ja-JP" dirty="0" smtClean="0"/>
+              <a:t>Full Name</a:t>
+            </a:r>
+            <a:r>
+              <a:rPr lang="ja-JP" altLang="en-US" dirty="0" smtClean="0"/>
+              <a:t>」「</a:t>
+            </a:r>
+            <a:r>
+              <a:rPr lang="en-US" altLang="ja-JP" dirty="0" smtClean="0"/>
+              <a:t>Country</a:t>
+            </a:r>
+            <a:r>
+              <a:rPr lang="ja-JP" altLang="en-US" dirty="0" smtClean="0"/>
+              <a:t>」の設定をする</a:t>
+            </a:r>
+            <a:endParaRPr kumimoji="1" lang="ja-JP" altLang="en-US" dirty="0"/>
+          </a:p>
+        </p:txBody>
+      </p:sp>
+      <p:pic>
+        <p:nvPicPr>
+          <p:cNvPr id="29698" name="Picture 2" descr="http://image.itmedia.co.jp/ait/articles/1410/27/news037_13.png">
+            <a:hlinkClick r:id="rId2"/>
+          </p:cNvPr>
+          <p:cNvPicPr>
+            <a:picLocks noChangeAspect="1" noChangeArrowheads="1"/>
+          </p:cNvPicPr>
+          <p:nvPr/>
+        </p:nvPicPr>
+        <p:blipFill>
+          <a:blip r:embed="rId3" cstate="print"/>
+          <a:srcRect/>
+          <a:stretch>
+            <a:fillRect/>
+          </a:stretch>
+        </p:blipFill>
+        <p:spPr bwMode="auto">
+          <a:xfrm>
+            <a:off x="2555776" y="2708920"/>
+            <a:ext cx="3960440" cy="3792625"/>
+          </a:xfrm>
+          <a:prstGeom prst="rect">
+            <a:avLst/>
+          </a:prstGeom>
+          <a:noFill/>
+        </p:spPr>
+      </p:pic>
+    </p:spTree>
+  </p:cSld>
+  <p:clrMapOvr>
+    <a:masterClrMapping/>
+  </p:clrMapOvr>
+</p:sld>
+</file>
+
+<file path=ppt/slides/slide18.xml><?xml version="1.0" encoding="utf-8"?>
+<p:sld xmlns:a="http://schemas.openxmlformats.org/drawingml/2006/main" xmlns:r="http://schemas.openxmlformats.org/officeDocument/2006/relationships" xmlns:p="http://schemas.openxmlformats.org/presentationml/2006/main">
+  <p:cSld>
+    <p:spTree>
+      <p:nvGrpSpPr>
+        <p:cNvPr id="1" name=""/>
+        <p:cNvGrpSpPr/>
+        <p:nvPr/>
+      </p:nvGrpSpPr>
+      <p:grpSpPr>
+        <a:xfrm>
+          <a:off x="0" y="0"/>
+          <a:ext cx="0" cy="0"/>
+          <a:chOff x="0" y="0"/>
+          <a:chExt cx="0" cy="0"/>
+        </a:xfrm>
+      </p:grpSpPr>
+      <p:sp>
+        <p:nvSpPr>
+          <p:cNvPr id="2" name="タイトル 1"/>
+          <p:cNvSpPr>
+            <a:spLocks noGrp="1"/>
+          </p:cNvSpPr>
+          <p:nvPr>
+            <p:ph type="title"/>
+          </p:nvPr>
+        </p:nvSpPr>
+        <p:spPr/>
+        <p:txBody>
+          <a:bodyPr/>
+          <a:lstStyle/>
+          <a:p>
+            <a:r>
+              <a:rPr kumimoji="1" lang="ja-JP" altLang="en-US" dirty="0" smtClean="0"/>
+              <a:t>プロジェクトの設定</a:t>
+            </a:r>
+            <a:endParaRPr kumimoji="1" lang="ja-JP" altLang="en-US" dirty="0"/>
+          </a:p>
+        </p:txBody>
+      </p:sp>
+      <p:sp>
+        <p:nvSpPr>
+          <p:cNvPr id="3" name="コンテンツ プレースホルダ 2"/>
+          <p:cNvSpPr>
+            <a:spLocks noGrp="1"/>
+          </p:cNvSpPr>
+          <p:nvPr>
+            <p:ph idx="1"/>
+          </p:nvPr>
+        </p:nvSpPr>
+        <p:spPr>
+          <a:xfrm>
+            <a:off x="457200" y="1600201"/>
+            <a:ext cx="8229600" cy="1180728"/>
+          </a:xfrm>
+        </p:spPr>
+        <p:txBody>
+          <a:bodyPr/>
+          <a:lstStyle/>
+          <a:p>
+            <a:r>
+              <a:rPr lang="ja-JP" altLang="en-US" dirty="0" smtClean="0"/>
+              <a:t>アカウント</a:t>
+            </a:r>
+            <a:r>
+              <a:rPr lang="ja-JP" altLang="en-US" dirty="0" smtClean="0"/>
+              <a:t>が作成されたので、この画面は閉じて</a:t>
+            </a:r>
+            <a:r>
+              <a:rPr lang="ja-JP" altLang="en-US" dirty="0" smtClean="0"/>
+              <a:t>、「</a:t>
+            </a:r>
+            <a:r>
+              <a:rPr lang="en-US" altLang="ja-JP" dirty="0" smtClean="0"/>
+              <a:t>Email</a:t>
+            </a:r>
+            <a:r>
+              <a:rPr lang="ja-JP" altLang="en-US" dirty="0" smtClean="0"/>
+              <a:t>」と「</a:t>
+            </a:r>
+            <a:r>
+              <a:rPr lang="en-US" altLang="ja-JP" dirty="0" smtClean="0"/>
+              <a:t>Password</a:t>
+            </a:r>
+            <a:r>
+              <a:rPr lang="ja-JP" altLang="en-US" dirty="0" smtClean="0"/>
+              <a:t>」を入力する</a:t>
+            </a:r>
+            <a:endParaRPr kumimoji="1" lang="ja-JP" altLang="en-US" dirty="0"/>
+          </a:p>
+        </p:txBody>
+      </p:sp>
+      <p:pic>
+        <p:nvPicPr>
+          <p:cNvPr id="30722" name="Picture 2" descr="http://image.itmedia.co.jp/ait/articles/1410/27/news037_14.png">
+            <a:hlinkClick r:id="rId2"/>
+          </p:cNvPr>
+          <p:cNvPicPr>
+            <a:picLocks noChangeAspect="1" noChangeArrowheads="1"/>
+          </p:cNvPicPr>
+          <p:nvPr/>
+        </p:nvPicPr>
+        <p:blipFill>
+          <a:blip r:embed="rId3" cstate="print"/>
+          <a:srcRect/>
+          <a:stretch>
+            <a:fillRect/>
+          </a:stretch>
+        </p:blipFill>
+        <p:spPr bwMode="auto">
+          <a:xfrm>
+            <a:off x="1475656" y="2852936"/>
+            <a:ext cx="5619750" cy="3286126"/>
+          </a:xfrm>
+          <a:prstGeom prst="rect">
+            <a:avLst/>
+          </a:prstGeom>
+          <a:noFill/>
+        </p:spPr>
+      </p:pic>
+    </p:spTree>
+  </p:cSld>
+  <p:clrMapOvr>
+    <a:masterClrMapping/>
+  </p:clrMapOvr>
+</p:sld>
+</file>
+
+<file path=ppt/slides/slide19.xml><?xml version="1.0" encoding="utf-8"?>
+<p:sld xmlns:a="http://schemas.openxmlformats.org/drawingml/2006/main" xmlns:r="http://schemas.openxmlformats.org/officeDocument/2006/relationships" xmlns:p="http://schemas.openxmlformats.org/presentationml/2006/main">
+  <p:cSld>
+    <p:spTree>
+      <p:nvGrpSpPr>
+        <p:cNvPr id="1" name=""/>
+        <p:cNvGrpSpPr/>
+        <p:nvPr/>
+      </p:nvGrpSpPr>
+      <p:grpSpPr>
+        <a:xfrm>
+          <a:off x="0" y="0"/>
+          <a:ext cx="0" cy="0"/>
+          <a:chOff x="0" y="0"/>
+          <a:chExt cx="0" cy="0"/>
+        </a:xfrm>
+      </p:grpSpPr>
+      <p:sp>
+        <p:nvSpPr>
+          <p:cNvPr id="2" name="タイトル 1"/>
+          <p:cNvSpPr>
+            <a:spLocks noGrp="1"/>
+          </p:cNvSpPr>
+          <p:nvPr>
+            <p:ph type="title"/>
+          </p:nvPr>
+        </p:nvSpPr>
+        <p:spPr/>
+        <p:txBody>
+          <a:bodyPr/>
+          <a:lstStyle/>
+          <a:p>
+            <a:r>
+              <a:rPr kumimoji="1" lang="ja-JP" altLang="en-US" dirty="0" smtClean="0"/>
+              <a:t>プロジェクトの設定</a:t>
+            </a:r>
+            <a:endParaRPr kumimoji="1" lang="ja-JP" altLang="en-US" dirty="0"/>
+          </a:p>
+        </p:txBody>
+      </p:sp>
+      <p:sp>
+        <p:nvSpPr>
+          <p:cNvPr id="3" name="コンテンツ プレースホルダ 2"/>
+          <p:cNvSpPr>
+            <a:spLocks noGrp="1"/>
+          </p:cNvSpPr>
+          <p:nvPr>
+            <p:ph idx="1"/>
+          </p:nvPr>
+        </p:nvSpPr>
+        <p:spPr>
+          <a:xfrm>
+            <a:off x="457200" y="1600201"/>
+            <a:ext cx="8229600" cy="1252736"/>
+          </a:xfrm>
+        </p:spPr>
+        <p:txBody>
+          <a:bodyPr/>
+          <a:lstStyle/>
+          <a:p>
+            <a:r>
+              <a:rPr kumimoji="1" lang="ja-JP" altLang="en-US" dirty="0" smtClean="0"/>
+              <a:t>プロジェクト名をつける</a:t>
+            </a:r>
+            <a:endParaRPr kumimoji="1" lang="en-US" altLang="ja-JP" dirty="0" smtClean="0"/>
+          </a:p>
+          <a:p>
+            <a:r>
+              <a:rPr lang="ja-JP" altLang="en-US" dirty="0" smtClean="0"/>
+              <a:t>保存先</a:t>
+            </a:r>
+            <a:r>
+              <a:rPr lang="ja-JP" altLang="en-US" dirty="0" smtClean="0"/>
+              <a:t>は</a:t>
+            </a:r>
+            <a:r>
+              <a:rPr lang="en-US" altLang="ja-JP" dirty="0" err="1" smtClean="0"/>
+              <a:t>SourceTree</a:t>
+            </a:r>
+            <a:r>
+              <a:rPr lang="ja-JP" altLang="en-US" dirty="0" smtClean="0"/>
+              <a:t>で設定した場所にする</a:t>
+            </a:r>
+            <a:endParaRPr kumimoji="1" lang="ja-JP" altLang="en-US" dirty="0"/>
+          </a:p>
+        </p:txBody>
+      </p:sp>
+      <p:pic>
+        <p:nvPicPr>
+          <p:cNvPr id="31746" name="Picture 2" descr="http://image.itmedia.co.jp/ait/articles/1410/27/news037_15.png">
+            <a:hlinkClick r:id="rId2"/>
+          </p:cNvPr>
+          <p:cNvPicPr>
+            <a:picLocks noChangeAspect="1" noChangeArrowheads="1"/>
+          </p:cNvPicPr>
+          <p:nvPr/>
+        </p:nvPicPr>
+        <p:blipFill>
+          <a:blip r:embed="rId3" cstate="print"/>
+          <a:srcRect/>
+          <a:stretch>
+            <a:fillRect/>
+          </a:stretch>
+        </p:blipFill>
+        <p:spPr bwMode="auto">
+          <a:xfrm>
+            <a:off x="1475656" y="2852936"/>
+            <a:ext cx="5619750" cy="3295651"/>
+          </a:xfrm>
+          <a:prstGeom prst="rect">
+            <a:avLst/>
+          </a:prstGeom>
+          <a:noFill/>
+        </p:spPr>
+      </p:pic>
+    </p:spTree>
+  </p:cSld>
+  <p:clrMapOvr>
+    <a:masterClrMapping/>
+  </p:clrMapOvr>
+</p:sld>
+</file>
+
 <file path=ppt/slides/slide2.xml><?xml version="1.0" encoding="utf-8"?>
 <p:sld xmlns:a="http://schemas.openxmlformats.org/drawingml/2006/main" xmlns:r="http://schemas.openxmlformats.org/officeDocument/2006/relationships" xmlns:p="http://schemas.openxmlformats.org/presentationml/2006/main">
   <p:cSld>
@@ -3466,6 +4688,261 @@
             <a:r>
               <a:rPr kumimoji="1" lang="ja-JP" altLang="en-US" dirty="0" smtClean="0"/>
               <a:t>テストプロジェクトの作成</a:t>
+            </a:r>
+            <a:endParaRPr kumimoji="1" lang="ja-JP" altLang="en-US" dirty="0"/>
+          </a:p>
+        </p:txBody>
+      </p:sp>
+    </p:spTree>
+  </p:cSld>
+  <p:clrMapOvr>
+    <a:masterClrMapping/>
+  </p:clrMapOvr>
+</p:sld>
+</file>
+
+<file path=ppt/slides/slide20.xml><?xml version="1.0" encoding="utf-8"?>
+<p:sld xmlns:a="http://schemas.openxmlformats.org/drawingml/2006/main" xmlns:r="http://schemas.openxmlformats.org/officeDocument/2006/relationships" xmlns:p="http://schemas.openxmlformats.org/presentationml/2006/main">
+  <p:cSld>
+    <p:spTree>
+      <p:nvGrpSpPr>
+        <p:cNvPr id="1" name=""/>
+        <p:cNvGrpSpPr/>
+        <p:nvPr/>
+      </p:nvGrpSpPr>
+      <p:grpSpPr>
+        <a:xfrm>
+          <a:off x="0" y="0"/>
+          <a:ext cx="0" cy="0"/>
+          <a:chOff x="0" y="0"/>
+          <a:chExt cx="0" cy="0"/>
+        </a:xfrm>
+      </p:grpSpPr>
+      <p:sp>
+        <p:nvSpPr>
+          <p:cNvPr id="2" name="タイトル 1"/>
+          <p:cNvSpPr>
+            <a:spLocks noGrp="1"/>
+          </p:cNvSpPr>
+          <p:nvPr>
+            <p:ph type="title"/>
+          </p:nvPr>
+        </p:nvSpPr>
+        <p:spPr/>
+        <p:txBody>
+          <a:bodyPr/>
+          <a:lstStyle/>
+          <a:p>
+            <a:r>
+              <a:rPr kumimoji="1" lang="ja-JP" altLang="en-US" dirty="0" smtClean="0"/>
+              <a:t>プロジェクトの設定</a:t>
+            </a:r>
+            <a:endParaRPr kumimoji="1" lang="ja-JP" altLang="en-US" dirty="0"/>
+          </a:p>
+        </p:txBody>
+      </p:sp>
+      <p:sp>
+        <p:nvSpPr>
+          <p:cNvPr id="3" name="コンテンツ プレースホルダ 2"/>
+          <p:cNvSpPr>
+            <a:spLocks noGrp="1"/>
+          </p:cNvSpPr>
+          <p:nvPr>
+            <p:ph idx="1"/>
+          </p:nvPr>
+        </p:nvSpPr>
+        <p:spPr>
+          <a:xfrm>
+            <a:off x="457200" y="1600201"/>
+            <a:ext cx="8229600" cy="1108720"/>
+          </a:xfrm>
+        </p:spPr>
+        <p:txBody>
+          <a:bodyPr/>
+          <a:lstStyle/>
+          <a:p>
+            <a:r>
+              <a:rPr lang="ja-JP" altLang="en-US" dirty="0" smtClean="0"/>
+              <a:t>「</a:t>
+            </a:r>
+            <a:r>
+              <a:rPr lang="en-US" altLang="ja-JP" dirty="0" smtClean="0"/>
+              <a:t>Create Project</a:t>
+            </a:r>
+            <a:r>
+              <a:rPr lang="ja-JP" altLang="en-US" dirty="0" smtClean="0"/>
+              <a:t>」ボタンをクリックすると、</a:t>
+            </a:r>
+            <a:r>
+              <a:rPr lang="en-US" altLang="ja-JP" dirty="0" smtClean="0"/>
+              <a:t>Unity</a:t>
+            </a:r>
+            <a:r>
+              <a:rPr lang="ja-JP" altLang="en-US" dirty="0" smtClean="0"/>
+              <a:t>の開発環境が起動する</a:t>
+            </a:r>
+            <a:endParaRPr kumimoji="1" lang="ja-JP" altLang="en-US" dirty="0"/>
+          </a:p>
+        </p:txBody>
+      </p:sp>
+      <p:pic>
+        <p:nvPicPr>
+          <p:cNvPr id="32770" name="Picture 2" descr="http://image.itmedia.co.jp/ait/articles/1410/27/news037_16.png">
+            <a:hlinkClick r:id="rId2"/>
+          </p:cNvPr>
+          <p:cNvPicPr>
+            <a:picLocks noChangeAspect="1" noChangeArrowheads="1"/>
+          </p:cNvPicPr>
+          <p:nvPr/>
+        </p:nvPicPr>
+        <p:blipFill>
+          <a:blip r:embed="rId3" cstate="print"/>
+          <a:srcRect/>
+          <a:stretch>
+            <a:fillRect/>
+          </a:stretch>
+        </p:blipFill>
+        <p:spPr bwMode="auto">
+          <a:xfrm>
+            <a:off x="1403648" y="2780928"/>
+            <a:ext cx="5619750" cy="3571875"/>
+          </a:xfrm>
+          <a:prstGeom prst="rect">
+            <a:avLst/>
+          </a:prstGeom>
+          <a:noFill/>
+        </p:spPr>
+      </p:pic>
+    </p:spTree>
+  </p:cSld>
+  <p:clrMapOvr>
+    <a:masterClrMapping/>
+  </p:clrMapOvr>
+</p:sld>
+</file>
+
+<file path=ppt/slides/slide21.xml><?xml version="1.0" encoding="utf-8"?>
+<p:sld xmlns:a="http://schemas.openxmlformats.org/drawingml/2006/main" xmlns:r="http://schemas.openxmlformats.org/officeDocument/2006/relationships" xmlns:p="http://schemas.openxmlformats.org/presentationml/2006/main">
+  <p:cSld>
+    <p:spTree>
+      <p:nvGrpSpPr>
+        <p:cNvPr id="1" name=""/>
+        <p:cNvGrpSpPr/>
+        <p:nvPr/>
+      </p:nvGrpSpPr>
+      <p:grpSpPr>
+        <a:xfrm>
+          <a:off x="0" y="0"/>
+          <a:ext cx="0" cy="0"/>
+          <a:chOff x="0" y="0"/>
+          <a:chExt cx="0" cy="0"/>
+        </a:xfrm>
+      </p:grpSpPr>
+      <p:sp>
+        <p:nvSpPr>
+          <p:cNvPr id="2" name="タイトル 1"/>
+          <p:cNvSpPr>
+            <a:spLocks noGrp="1"/>
+          </p:cNvSpPr>
+          <p:nvPr>
+            <p:ph type="title"/>
+          </p:nvPr>
+        </p:nvSpPr>
+        <p:spPr/>
+        <p:txBody>
+          <a:bodyPr/>
+          <a:lstStyle/>
+          <a:p>
+            <a:r>
+              <a:rPr kumimoji="1" lang="ja-JP" altLang="en-US" dirty="0" smtClean="0"/>
+              <a:t>プロジェクトの保存</a:t>
+            </a:r>
+            <a:endParaRPr kumimoji="1" lang="ja-JP" altLang="en-US" dirty="0"/>
+          </a:p>
+        </p:txBody>
+      </p:sp>
+      <p:sp>
+        <p:nvSpPr>
+          <p:cNvPr id="3" name="コンテンツ プレースホルダ 2"/>
+          <p:cNvSpPr>
+            <a:spLocks noGrp="1"/>
+          </p:cNvSpPr>
+          <p:nvPr>
+            <p:ph idx="1"/>
+          </p:nvPr>
+        </p:nvSpPr>
+        <p:spPr/>
+        <p:txBody>
+          <a:bodyPr/>
+          <a:lstStyle/>
+          <a:p>
+            <a:r>
+              <a:rPr kumimoji="1" lang="en-US" altLang="ja-JP" dirty="0" err="1" smtClean="0"/>
+              <a:t>SourceTree</a:t>
+            </a:r>
+            <a:r>
+              <a:rPr kumimoji="1" lang="ja-JP" altLang="en-US" dirty="0" smtClean="0"/>
+              <a:t>を起動すると、作業ツリーの保存に追加したファイルの一覧が出ているので</a:t>
+            </a:r>
+            <a:r>
+              <a:rPr lang="ja-JP" altLang="en-US" dirty="0" smtClean="0"/>
+              <a:t>「</a:t>
+            </a:r>
+            <a:r>
+              <a:rPr lang="en-US" altLang="ja-JP" dirty="0" smtClean="0"/>
+              <a:t>Stage All</a:t>
+            </a:r>
+            <a:r>
+              <a:rPr lang="ja-JP" altLang="en-US" dirty="0" smtClean="0"/>
+              <a:t>」を押してコミット→プッシュを行う</a:t>
+            </a:r>
+            <a:endParaRPr kumimoji="1" lang="ja-JP" altLang="en-US" dirty="0"/>
+          </a:p>
+        </p:txBody>
+      </p:sp>
+    </p:spTree>
+  </p:cSld>
+  <p:clrMapOvr>
+    <a:masterClrMapping/>
+  </p:clrMapOvr>
+</p:sld>
+</file>
+
+<file path=ppt/slides/slide22.xml><?xml version="1.0" encoding="utf-8"?>
+<p:sld xmlns:a="http://schemas.openxmlformats.org/drawingml/2006/main" xmlns:r="http://schemas.openxmlformats.org/officeDocument/2006/relationships" xmlns:p="http://schemas.openxmlformats.org/presentationml/2006/main">
+  <p:cSld>
+    <p:spTree>
+      <p:nvGrpSpPr>
+        <p:cNvPr id="1" name=""/>
+        <p:cNvGrpSpPr/>
+        <p:nvPr/>
+      </p:nvGrpSpPr>
+      <p:grpSpPr>
+        <a:xfrm>
+          <a:off x="0" y="0"/>
+          <a:ext cx="0" cy="0"/>
+          <a:chOff x="0" y="0"/>
+          <a:chExt cx="0" cy="0"/>
+        </a:xfrm>
+      </p:grpSpPr>
+      <p:sp>
+        <p:nvSpPr>
+          <p:cNvPr id="2" name="タイトル 1"/>
+          <p:cNvSpPr>
+            <a:spLocks noGrp="1"/>
+          </p:cNvSpPr>
+          <p:nvPr>
+            <p:ph type="title"/>
+          </p:nvPr>
+        </p:nvSpPr>
+        <p:spPr/>
+        <p:txBody>
+          <a:bodyPr/>
+          <a:lstStyle/>
+          <a:p>
+            <a:r>
+              <a:rPr kumimoji="1" lang="en-US" altLang="ja-JP" dirty="0" smtClean="0"/>
+              <a:t>The end</a:t>
             </a:r>
             <a:endParaRPr kumimoji="1" lang="ja-JP" altLang="en-US" dirty="0"/>
           </a:p>
@@ -4442,15 +5919,292 @@
             <p:ph idx="1"/>
           </p:nvPr>
         </p:nvSpPr>
-        <p:spPr/>
-        <p:txBody>
-          <a:bodyPr/>
-          <a:lstStyle/>
-          <a:p>
-            <a:endParaRPr kumimoji="1" lang="ja-JP" altLang="en-US"/>
-          </a:p>
-        </p:txBody>
-      </p:sp>
+        <p:spPr>
+          <a:xfrm>
+            <a:off x="457200" y="1600201"/>
+            <a:ext cx="8229600" cy="676672"/>
+          </a:xfrm>
+        </p:spPr>
+        <p:txBody>
+          <a:bodyPr/>
+          <a:lstStyle/>
+          <a:p>
+            <a:r>
+              <a:rPr lang="ja-JP" altLang="en-US" dirty="0" smtClean="0"/>
+              <a:t>ダウンロード</a:t>
+            </a:r>
+            <a:r>
+              <a:rPr lang="ja-JP" altLang="en-US" dirty="0" smtClean="0"/>
+              <a:t>したインストーラーを実行する</a:t>
+            </a:r>
+            <a:endParaRPr kumimoji="1" lang="ja-JP" altLang="en-US" dirty="0"/>
+          </a:p>
+        </p:txBody>
+      </p:sp>
+      <p:pic>
+        <p:nvPicPr>
+          <p:cNvPr id="1026" name="Picture 2" descr="http://image.itmedia.co.jp/ait/articles/1410/27/news037_03.png">
+            <a:hlinkClick r:id="rId2"/>
+          </p:cNvPr>
+          <p:cNvPicPr>
+            <a:picLocks noChangeAspect="1" noChangeArrowheads="1"/>
+          </p:cNvPicPr>
+          <p:nvPr/>
+        </p:nvPicPr>
+        <p:blipFill>
+          <a:blip r:embed="rId3" cstate="print"/>
+          <a:srcRect/>
+          <a:stretch>
+            <a:fillRect/>
+          </a:stretch>
+        </p:blipFill>
+        <p:spPr bwMode="auto">
+          <a:xfrm>
+            <a:off x="1547664" y="2924944"/>
+            <a:ext cx="5619750" cy="2771776"/>
+          </a:xfrm>
+          <a:prstGeom prst="rect">
+            <a:avLst/>
+          </a:prstGeom>
+          <a:noFill/>
+        </p:spPr>
+      </p:pic>
+    </p:spTree>
+  </p:cSld>
+  <p:clrMapOvr>
+    <a:masterClrMapping/>
+  </p:clrMapOvr>
+</p:sld>
+</file>
+
+<file path=ppt/slides/slide8.xml><?xml version="1.0" encoding="utf-8"?>
+<p:sld xmlns:a="http://schemas.openxmlformats.org/drawingml/2006/main" xmlns:r="http://schemas.openxmlformats.org/officeDocument/2006/relationships" xmlns:p="http://schemas.openxmlformats.org/presentationml/2006/main">
+  <p:cSld>
+    <p:spTree>
+      <p:nvGrpSpPr>
+        <p:cNvPr id="1" name=""/>
+        <p:cNvGrpSpPr/>
+        <p:nvPr/>
+      </p:nvGrpSpPr>
+      <p:grpSpPr>
+        <a:xfrm>
+          <a:off x="0" y="0"/>
+          <a:ext cx="0" cy="0"/>
+          <a:chOff x="0" y="0"/>
+          <a:chExt cx="0" cy="0"/>
+        </a:xfrm>
+      </p:grpSpPr>
+      <p:sp>
+        <p:nvSpPr>
+          <p:cNvPr id="2" name="タイトル 1"/>
+          <p:cNvSpPr>
+            <a:spLocks noGrp="1"/>
+          </p:cNvSpPr>
+          <p:nvPr>
+            <p:ph type="title"/>
+          </p:nvPr>
+        </p:nvSpPr>
+        <p:spPr/>
+        <p:txBody>
+          <a:bodyPr/>
+          <a:lstStyle/>
+          <a:p>
+            <a:r>
+              <a:rPr kumimoji="1" lang="ja-JP" altLang="en-US" dirty="0" smtClean="0"/>
+              <a:t>セットアップ</a:t>
+            </a:r>
+            <a:endParaRPr kumimoji="1" lang="ja-JP" altLang="en-US" dirty="0"/>
+          </a:p>
+        </p:txBody>
+      </p:sp>
+      <p:sp>
+        <p:nvSpPr>
+          <p:cNvPr id="3" name="コンテンツ プレースホルダ 2"/>
+          <p:cNvSpPr>
+            <a:spLocks noGrp="1"/>
+          </p:cNvSpPr>
+          <p:nvPr>
+            <p:ph idx="1"/>
+          </p:nvPr>
+        </p:nvSpPr>
+        <p:spPr>
+          <a:xfrm>
+            <a:off x="457200" y="1600201"/>
+            <a:ext cx="8229600" cy="676672"/>
+          </a:xfrm>
+        </p:spPr>
+        <p:txBody>
+          <a:bodyPr/>
+          <a:lstStyle/>
+          <a:p>
+            <a:r>
+              <a:rPr kumimoji="1" lang="ja-JP" altLang="en-US" dirty="0" smtClean="0"/>
+              <a:t>インストールが開始される</a:t>
+            </a:r>
+            <a:endParaRPr kumimoji="1" lang="ja-JP" altLang="en-US" dirty="0"/>
+          </a:p>
+        </p:txBody>
+      </p:sp>
+      <p:pic>
+        <p:nvPicPr>
+          <p:cNvPr id="20482" name="Picture 2" descr="http://image.itmedia.co.jp/ait/articles/1410/27/news037_04.png"/>
+          <p:cNvPicPr>
+            <a:picLocks noChangeAspect="1" noChangeArrowheads="1"/>
+          </p:cNvPicPr>
+          <p:nvPr/>
+        </p:nvPicPr>
+        <p:blipFill>
+          <a:blip r:embed="rId2" cstate="print"/>
+          <a:srcRect/>
+          <a:stretch>
+            <a:fillRect/>
+          </a:stretch>
+        </p:blipFill>
+        <p:spPr bwMode="auto">
+          <a:xfrm>
+            <a:off x="1907704" y="2420888"/>
+            <a:ext cx="4732683" cy="3888432"/>
+          </a:xfrm>
+          <a:prstGeom prst="rect">
+            <a:avLst/>
+          </a:prstGeom>
+          <a:noFill/>
+        </p:spPr>
+      </p:pic>
+    </p:spTree>
+  </p:cSld>
+  <p:clrMapOvr>
+    <a:masterClrMapping/>
+  </p:clrMapOvr>
+</p:sld>
+</file>
+
+<file path=ppt/slides/slide9.xml><?xml version="1.0" encoding="utf-8"?>
+<p:sld xmlns:a="http://schemas.openxmlformats.org/drawingml/2006/main" xmlns:r="http://schemas.openxmlformats.org/officeDocument/2006/relationships" xmlns:p="http://schemas.openxmlformats.org/presentationml/2006/main">
+  <p:cSld>
+    <p:spTree>
+      <p:nvGrpSpPr>
+        <p:cNvPr id="1" name=""/>
+        <p:cNvGrpSpPr/>
+        <p:nvPr/>
+      </p:nvGrpSpPr>
+      <p:grpSpPr>
+        <a:xfrm>
+          <a:off x="0" y="0"/>
+          <a:ext cx="0" cy="0"/>
+          <a:chOff x="0" y="0"/>
+          <a:chExt cx="0" cy="0"/>
+        </a:xfrm>
+      </p:grpSpPr>
+      <p:sp>
+        <p:nvSpPr>
+          <p:cNvPr id="2" name="タイトル 1"/>
+          <p:cNvSpPr>
+            <a:spLocks noGrp="1"/>
+          </p:cNvSpPr>
+          <p:nvPr>
+            <p:ph type="title"/>
+          </p:nvPr>
+        </p:nvSpPr>
+        <p:spPr/>
+        <p:txBody>
+          <a:bodyPr/>
+          <a:lstStyle/>
+          <a:p>
+            <a:r>
+              <a:rPr kumimoji="1" lang="ja-JP" altLang="en-US" dirty="0" smtClean="0"/>
+              <a:t>セットアップ</a:t>
+            </a:r>
+            <a:endParaRPr kumimoji="1" lang="ja-JP" altLang="en-US" dirty="0"/>
+          </a:p>
+        </p:txBody>
+      </p:sp>
+      <p:sp>
+        <p:nvSpPr>
+          <p:cNvPr id="3" name="コンテンツ プレースホルダ 2"/>
+          <p:cNvSpPr>
+            <a:spLocks noGrp="1"/>
+          </p:cNvSpPr>
+          <p:nvPr>
+            <p:ph idx="1"/>
+          </p:nvPr>
+        </p:nvSpPr>
+        <p:spPr>
+          <a:xfrm>
+            <a:off x="457200" y="1600201"/>
+            <a:ext cx="8229600" cy="2116832"/>
+          </a:xfrm>
+        </p:spPr>
+        <p:txBody>
+          <a:bodyPr/>
+          <a:lstStyle/>
+          <a:p>
+            <a:r>
+              <a:rPr lang="ja-JP" altLang="en-US" dirty="0" smtClean="0"/>
+              <a:t>「</a:t>
+            </a:r>
+            <a:r>
+              <a:rPr lang="en-US" altLang="ja-JP" dirty="0" smtClean="0"/>
+              <a:t>Next</a:t>
+            </a:r>
+            <a:r>
+              <a:rPr lang="ja-JP" altLang="en-US" dirty="0" smtClean="0"/>
+              <a:t>」をクリックする。「</a:t>
+            </a:r>
+            <a:r>
+              <a:rPr lang="en-US" altLang="ja-JP" dirty="0" smtClean="0"/>
+              <a:t>License Agreement</a:t>
+            </a:r>
+            <a:r>
+              <a:rPr lang="ja-JP" altLang="en-US" dirty="0" smtClean="0"/>
+              <a:t>」の画面が表示されるので、「</a:t>
+            </a:r>
+            <a:r>
+              <a:rPr lang="en-US" altLang="ja-JP" dirty="0" smtClean="0"/>
+              <a:t>I accept the terms of the </a:t>
+            </a:r>
+            <a:r>
+              <a:rPr lang="en-US" altLang="ja-JP" dirty="0" err="1" smtClean="0"/>
+              <a:t>Licence</a:t>
+            </a:r>
+            <a:r>
+              <a:rPr lang="en-US" altLang="ja-JP" dirty="0" smtClean="0"/>
+              <a:t> Agreement</a:t>
+            </a:r>
+            <a:r>
+              <a:rPr lang="ja-JP" altLang="en-US" dirty="0" smtClean="0"/>
+              <a:t>」にチェックを入れる</a:t>
+            </a:r>
+            <a:endParaRPr kumimoji="1" lang="ja-JP" altLang="en-US" dirty="0"/>
+          </a:p>
+        </p:txBody>
+      </p:sp>
+      <p:pic>
+        <p:nvPicPr>
+          <p:cNvPr id="21506" name="Picture 2" descr="http://image.itmedia.co.jp/ait/articles/1410/27/news037_05.png"/>
+          <p:cNvPicPr>
+            <a:picLocks noChangeAspect="1" noChangeArrowheads="1"/>
+          </p:cNvPicPr>
+          <p:nvPr/>
+        </p:nvPicPr>
+        <p:blipFill>
+          <a:blip r:embed="rId2" cstate="print"/>
+          <a:srcRect/>
+          <a:stretch>
+            <a:fillRect/>
+          </a:stretch>
+        </p:blipFill>
+        <p:spPr bwMode="auto">
+          <a:xfrm>
+            <a:off x="2699792" y="3356992"/>
+            <a:ext cx="3697823" cy="3024336"/>
+          </a:xfrm>
+          <a:prstGeom prst="rect">
+            <a:avLst/>
+          </a:prstGeom>
+          <a:noFill/>
+        </p:spPr>
+      </p:pic>
     </p:spTree>
   </p:cSld>
   <p:clrMapOvr>
